--- a/Icons/AndroidIcons.pptx
+++ b/Icons/AndroidIcons.pptx
@@ -2,12 +2,12 @@
 <file path=ppt/presentation.xml><?xml version="1.0" encoding="utf-8"?>
 <p:presentation xmlns:a="http://schemas.openxmlformats.org/drawingml/2006/main" xmlns:r="http://schemas.openxmlformats.org/officeDocument/2006/relationships" xmlns:p="http://schemas.openxmlformats.org/presentationml/2006/main" saveSubsetFonts="1">
   <p:sldMasterIdLst>
-    <p:sldMasterId id="2147483660" r:id="rId1"/>
+    <p:sldMasterId id="2147483672" r:id="rId1"/>
   </p:sldMasterIdLst>
   <p:sldIdLst>
     <p:sldId id="256" r:id="rId2"/>
   </p:sldIdLst>
-  <p:sldSz cx="5040313" cy="5040313"/>
+  <p:sldSz cx="18359438" cy="18359438"/>
   <p:notesSz cx="6858000" cy="9144000"/>
   <p:defaultTextStyle>
     <a:defPPr>
@@ -107,12 +107,12 @@
   <p:extLst>
     <p:ext uri="{EFAFB233-063F-42B5-8137-9DF3F51BA10A}">
       <p15:sldGuideLst xmlns:p15="http://schemas.microsoft.com/office/powerpoint/2012/main">
-        <p15:guide id="1" orient="horz" pos="1587" userDrawn="1">
+        <p15:guide id="1" orient="horz" pos="5781" userDrawn="1">
           <p15:clr>
             <a:srgbClr val="A4A3A4"/>
           </p15:clr>
         </p15:guide>
-        <p15:guide id="2" pos="1587" userDrawn="1">
+        <p15:guide id="2" pos="5781" userDrawn="1">
           <p15:clr>
             <a:srgbClr val="A4A3A4"/>
           </p15:clr>
@@ -152,15 +152,15 @@
         </p:nvSpPr>
         <p:spPr>
           <a:xfrm>
-            <a:off x="378024" y="824885"/>
-            <a:ext cx="4284266" cy="1754776"/>
+            <a:off x="1376958" y="3004660"/>
+            <a:ext cx="15605522" cy="6391804"/>
           </a:xfrm>
         </p:spPr>
         <p:txBody>
           <a:bodyPr anchor="b"/>
           <a:lstStyle>
             <a:lvl1pPr algn="ctr">
-              <a:defRPr sz="3307"/>
+              <a:defRPr sz="12047"/>
             </a:lvl1pPr>
           </a:lstStyle>
           <a:p>
@@ -184,8 +184,8 @@
         </p:nvSpPr>
         <p:spPr>
           <a:xfrm>
-            <a:off x="630039" y="2647331"/>
-            <a:ext cx="3780235" cy="1216909"/>
+            <a:off x="2294930" y="9642956"/>
+            <a:ext cx="13769579" cy="4432613"/>
           </a:xfrm>
         </p:spPr>
         <p:txBody>
@@ -193,39 +193,39 @@
           <a:lstStyle>
             <a:lvl1pPr marL="0" indent="0" algn="ctr">
               <a:buNone/>
-              <a:defRPr sz="1323"/>
+              <a:defRPr sz="4819"/>
             </a:lvl1pPr>
-            <a:lvl2pPr marL="252009" indent="0" algn="ctr">
-              <a:buNone/>
-              <a:defRPr sz="1102"/>
+            <a:lvl2pPr marL="917966" indent="0" algn="ctr">
+              <a:buNone/>
+              <a:defRPr sz="4016"/>
             </a:lvl2pPr>
-            <a:lvl3pPr marL="504017" indent="0" algn="ctr">
-              <a:buNone/>
-              <a:defRPr sz="992"/>
+            <a:lvl3pPr marL="1835932" indent="0" algn="ctr">
+              <a:buNone/>
+              <a:defRPr sz="3614"/>
             </a:lvl3pPr>
-            <a:lvl4pPr marL="756026" indent="0" algn="ctr">
-              <a:buNone/>
-              <a:defRPr sz="882"/>
+            <a:lvl4pPr marL="2753898" indent="0" algn="ctr">
+              <a:buNone/>
+              <a:defRPr sz="3212"/>
             </a:lvl4pPr>
-            <a:lvl5pPr marL="1008035" indent="0" algn="ctr">
-              <a:buNone/>
-              <a:defRPr sz="882"/>
+            <a:lvl5pPr marL="3671865" indent="0" algn="ctr">
+              <a:buNone/>
+              <a:defRPr sz="3212"/>
             </a:lvl5pPr>
-            <a:lvl6pPr marL="1260043" indent="0" algn="ctr">
-              <a:buNone/>
-              <a:defRPr sz="882"/>
+            <a:lvl6pPr marL="4589831" indent="0" algn="ctr">
+              <a:buNone/>
+              <a:defRPr sz="3212"/>
             </a:lvl6pPr>
-            <a:lvl7pPr marL="1512052" indent="0" algn="ctr">
-              <a:buNone/>
-              <a:defRPr sz="882"/>
+            <a:lvl7pPr marL="5507797" indent="0" algn="ctr">
+              <a:buNone/>
+              <a:defRPr sz="3212"/>
             </a:lvl7pPr>
-            <a:lvl8pPr marL="1764060" indent="0" algn="ctr">
-              <a:buNone/>
-              <a:defRPr sz="882"/>
+            <a:lvl8pPr marL="6425763" indent="0" algn="ctr">
+              <a:buNone/>
+              <a:defRPr sz="3212"/>
             </a:lvl8pPr>
-            <a:lvl9pPr marL="2016069" indent="0" algn="ctr">
-              <a:buNone/>
-              <a:defRPr sz="882"/>
+            <a:lvl9pPr marL="7343729" indent="0" algn="ctr">
+              <a:buNone/>
+              <a:defRPr sz="3212"/>
             </a:lvl9pPr>
           </a:lstStyle>
           <a:p>
@@ -254,7 +254,7 @@
           <a:p>
             <a:fld id="{7CC07EAF-3172-4C11-9A07-A2AA65EEF5BE}" type="datetimeFigureOut">
               <a:rPr lang="en-IN" smtClean="0"/>
-              <a:t>27-08-2021</a:t>
+              <a:t>14-09-2021</a:t>
             </a:fld>
             <a:endParaRPr lang="en-IN"/>
           </a:p>
@@ -305,7 +305,7 @@
     </p:spTree>
     <p:extLst>
       <p:ext uri="{BB962C8B-B14F-4D97-AF65-F5344CB8AC3E}">
-        <p14:creationId xmlns:p14="http://schemas.microsoft.com/office/powerpoint/2010/main" val="4089403047"/>
+        <p14:creationId xmlns:p14="http://schemas.microsoft.com/office/powerpoint/2010/main" val="4236545674"/>
       </p:ext>
     </p:extLst>
   </p:cSld>
@@ -424,7 +424,7 @@
           <a:p>
             <a:fld id="{7CC07EAF-3172-4C11-9A07-A2AA65EEF5BE}" type="datetimeFigureOut">
               <a:rPr lang="en-IN" smtClean="0"/>
-              <a:t>27-08-2021</a:t>
+              <a:t>14-09-2021</a:t>
             </a:fld>
             <a:endParaRPr lang="en-IN"/>
           </a:p>
@@ -475,7 +475,7 @@
     </p:spTree>
     <p:extLst>
       <p:ext uri="{BB962C8B-B14F-4D97-AF65-F5344CB8AC3E}">
-        <p14:creationId xmlns:p14="http://schemas.microsoft.com/office/powerpoint/2010/main" val="4021737463"/>
+        <p14:creationId xmlns:p14="http://schemas.microsoft.com/office/powerpoint/2010/main" val="1843856947"/>
       </p:ext>
     </p:extLst>
   </p:cSld>
@@ -514,8 +514,8 @@
         </p:nvSpPr>
         <p:spPr>
           <a:xfrm>
-            <a:off x="3606975" y="268350"/>
-            <a:ext cx="1086817" cy="4271432"/>
+            <a:off x="13138474" y="977470"/>
+            <a:ext cx="3958754" cy="15558775"/>
           </a:xfrm>
         </p:spPr>
         <p:txBody>
@@ -542,8 +542,8 @@
         </p:nvSpPr>
         <p:spPr>
           <a:xfrm>
-            <a:off x="346522" y="268350"/>
-            <a:ext cx="3197449" cy="4271432"/>
+            <a:off x="1262213" y="977470"/>
+            <a:ext cx="11646768" cy="15558775"/>
           </a:xfrm>
         </p:spPr>
         <p:txBody>
@@ -604,7 +604,7 @@
           <a:p>
             <a:fld id="{7CC07EAF-3172-4C11-9A07-A2AA65EEF5BE}" type="datetimeFigureOut">
               <a:rPr lang="en-IN" smtClean="0"/>
-              <a:t>27-08-2021</a:t>
+              <a:t>14-09-2021</a:t>
             </a:fld>
             <a:endParaRPr lang="en-IN"/>
           </a:p>
@@ -655,7 +655,7 @@
     </p:spTree>
     <p:extLst>
       <p:ext uri="{BB962C8B-B14F-4D97-AF65-F5344CB8AC3E}">
-        <p14:creationId xmlns:p14="http://schemas.microsoft.com/office/powerpoint/2010/main" val="2481955554"/>
+        <p14:creationId xmlns:p14="http://schemas.microsoft.com/office/powerpoint/2010/main" val="1399231348"/>
       </p:ext>
     </p:extLst>
   </p:cSld>
@@ -774,7 +774,7 @@
           <a:p>
             <a:fld id="{7CC07EAF-3172-4C11-9A07-A2AA65EEF5BE}" type="datetimeFigureOut">
               <a:rPr lang="en-IN" smtClean="0"/>
-              <a:t>27-08-2021</a:t>
+              <a:t>14-09-2021</a:t>
             </a:fld>
             <a:endParaRPr lang="en-IN"/>
           </a:p>
@@ -825,7 +825,7 @@
     </p:spTree>
     <p:extLst>
       <p:ext uri="{BB962C8B-B14F-4D97-AF65-F5344CB8AC3E}">
-        <p14:creationId xmlns:p14="http://schemas.microsoft.com/office/powerpoint/2010/main" val="2720521075"/>
+        <p14:creationId xmlns:p14="http://schemas.microsoft.com/office/powerpoint/2010/main" val="1607674868"/>
       </p:ext>
     </p:extLst>
   </p:cSld>
@@ -864,15 +864,15 @@
         </p:nvSpPr>
         <p:spPr>
           <a:xfrm>
-            <a:off x="343897" y="1256579"/>
-            <a:ext cx="4347270" cy="2096630"/>
+            <a:off x="1252650" y="4577115"/>
+            <a:ext cx="15835015" cy="7637015"/>
           </a:xfrm>
         </p:spPr>
         <p:txBody>
           <a:bodyPr anchor="b"/>
           <a:lstStyle>
             <a:lvl1pPr>
-              <a:defRPr sz="3307"/>
+              <a:defRPr sz="12047"/>
             </a:lvl1pPr>
           </a:lstStyle>
           <a:p>
@@ -896,8 +896,8 @@
         </p:nvSpPr>
         <p:spPr>
           <a:xfrm>
-            <a:off x="343897" y="3373044"/>
-            <a:ext cx="4347270" cy="1102568"/>
+            <a:off x="1252650" y="12286379"/>
+            <a:ext cx="15835015" cy="4016126"/>
           </a:xfrm>
         </p:spPr>
         <p:txBody>
@@ -905,15 +905,15 @@
           <a:lstStyle>
             <a:lvl1pPr marL="0" indent="0">
               <a:buNone/>
-              <a:defRPr sz="1323">
+              <a:defRPr sz="4819">
                 <a:solidFill>
                   <a:schemeClr val="tx1"/>
                 </a:solidFill>
               </a:defRPr>
             </a:lvl1pPr>
-            <a:lvl2pPr marL="252009" indent="0">
-              <a:buNone/>
-              <a:defRPr sz="1102">
+            <a:lvl2pPr marL="917966" indent="0">
+              <a:buNone/>
+              <a:defRPr sz="4016">
                 <a:solidFill>
                   <a:schemeClr val="tx1">
                     <a:tint val="75000"/>
@@ -921,9 +921,9 @@
                 </a:solidFill>
               </a:defRPr>
             </a:lvl2pPr>
-            <a:lvl3pPr marL="504017" indent="0">
-              <a:buNone/>
-              <a:defRPr sz="992">
+            <a:lvl3pPr marL="1835932" indent="0">
+              <a:buNone/>
+              <a:defRPr sz="3614">
                 <a:solidFill>
                   <a:schemeClr val="tx1">
                     <a:tint val="75000"/>
@@ -931,9 +931,9 @@
                 </a:solidFill>
               </a:defRPr>
             </a:lvl3pPr>
-            <a:lvl4pPr marL="756026" indent="0">
-              <a:buNone/>
-              <a:defRPr sz="882">
+            <a:lvl4pPr marL="2753898" indent="0">
+              <a:buNone/>
+              <a:defRPr sz="3212">
                 <a:solidFill>
                   <a:schemeClr val="tx1">
                     <a:tint val="75000"/>
@@ -941,9 +941,9 @@
                 </a:solidFill>
               </a:defRPr>
             </a:lvl4pPr>
-            <a:lvl5pPr marL="1008035" indent="0">
-              <a:buNone/>
-              <a:defRPr sz="882">
+            <a:lvl5pPr marL="3671865" indent="0">
+              <a:buNone/>
+              <a:defRPr sz="3212">
                 <a:solidFill>
                   <a:schemeClr val="tx1">
                     <a:tint val="75000"/>
@@ -951,9 +951,9 @@
                 </a:solidFill>
               </a:defRPr>
             </a:lvl5pPr>
-            <a:lvl6pPr marL="1260043" indent="0">
-              <a:buNone/>
-              <a:defRPr sz="882">
+            <a:lvl6pPr marL="4589831" indent="0">
+              <a:buNone/>
+              <a:defRPr sz="3212">
                 <a:solidFill>
                   <a:schemeClr val="tx1">
                     <a:tint val="75000"/>
@@ -961,9 +961,9 @@
                 </a:solidFill>
               </a:defRPr>
             </a:lvl6pPr>
-            <a:lvl7pPr marL="1512052" indent="0">
-              <a:buNone/>
-              <a:defRPr sz="882">
+            <a:lvl7pPr marL="5507797" indent="0">
+              <a:buNone/>
+              <a:defRPr sz="3212">
                 <a:solidFill>
                   <a:schemeClr val="tx1">
                     <a:tint val="75000"/>
@@ -971,9 +971,9 @@
                 </a:solidFill>
               </a:defRPr>
             </a:lvl7pPr>
-            <a:lvl8pPr marL="1764060" indent="0">
-              <a:buNone/>
-              <a:defRPr sz="882">
+            <a:lvl8pPr marL="6425763" indent="0">
+              <a:buNone/>
+              <a:defRPr sz="3212">
                 <a:solidFill>
                   <a:schemeClr val="tx1">
                     <a:tint val="75000"/>
@@ -981,9 +981,9 @@
                 </a:solidFill>
               </a:defRPr>
             </a:lvl8pPr>
-            <a:lvl9pPr marL="2016069" indent="0">
-              <a:buNone/>
-              <a:defRPr sz="882">
+            <a:lvl9pPr marL="7343729" indent="0">
+              <a:buNone/>
+              <a:defRPr sz="3212">
                 <a:solidFill>
                   <a:schemeClr val="tx1">
                     <a:tint val="75000"/>
@@ -1018,7 +1018,7 @@
           <a:p>
             <a:fld id="{7CC07EAF-3172-4C11-9A07-A2AA65EEF5BE}" type="datetimeFigureOut">
               <a:rPr lang="en-IN" smtClean="0"/>
-              <a:t>27-08-2021</a:t>
+              <a:t>14-09-2021</a:t>
             </a:fld>
             <a:endParaRPr lang="en-IN"/>
           </a:p>
@@ -1069,7 +1069,7 @@
     </p:spTree>
     <p:extLst>
       <p:ext uri="{BB962C8B-B14F-4D97-AF65-F5344CB8AC3E}">
-        <p14:creationId xmlns:p14="http://schemas.microsoft.com/office/powerpoint/2010/main" val="4002000273"/>
+        <p14:creationId xmlns:p14="http://schemas.microsoft.com/office/powerpoint/2010/main" val="450252112"/>
       </p:ext>
     </p:extLst>
   </p:cSld>
@@ -1131,8 +1131,8 @@
         </p:nvSpPr>
         <p:spPr>
           <a:xfrm>
-            <a:off x="346522" y="1341750"/>
-            <a:ext cx="2142133" cy="3198032"/>
+            <a:off x="1262211" y="4887350"/>
+            <a:ext cx="7802761" cy="11648895"/>
           </a:xfrm>
         </p:spPr>
         <p:txBody>
@@ -1188,8 +1188,8 @@
         </p:nvSpPr>
         <p:spPr>
           <a:xfrm>
-            <a:off x="2551658" y="1341750"/>
-            <a:ext cx="2142133" cy="3198032"/>
+            <a:off x="9294466" y="4887350"/>
+            <a:ext cx="7802761" cy="11648895"/>
           </a:xfrm>
         </p:spPr>
         <p:txBody>
@@ -1250,7 +1250,7 @@
           <a:p>
             <a:fld id="{7CC07EAF-3172-4C11-9A07-A2AA65EEF5BE}" type="datetimeFigureOut">
               <a:rPr lang="en-IN" smtClean="0"/>
-              <a:t>27-08-2021</a:t>
+              <a:t>14-09-2021</a:t>
             </a:fld>
             <a:endParaRPr lang="en-IN"/>
           </a:p>
@@ -1301,7 +1301,7 @@
     </p:spTree>
     <p:extLst>
       <p:ext uri="{BB962C8B-B14F-4D97-AF65-F5344CB8AC3E}">
-        <p14:creationId xmlns:p14="http://schemas.microsoft.com/office/powerpoint/2010/main" val="2264968278"/>
+        <p14:creationId xmlns:p14="http://schemas.microsoft.com/office/powerpoint/2010/main" val="4146903339"/>
       </p:ext>
     </p:extLst>
   </p:cSld>
@@ -1340,8 +1340,8 @@
         </p:nvSpPr>
         <p:spPr>
           <a:xfrm>
-            <a:off x="347178" y="268351"/>
-            <a:ext cx="4347270" cy="974228"/>
+            <a:off x="1264603" y="977474"/>
+            <a:ext cx="15835015" cy="3548643"/>
           </a:xfrm>
         </p:spPr>
         <p:txBody>
@@ -1368,8 +1368,8 @@
         </p:nvSpPr>
         <p:spPr>
           <a:xfrm>
-            <a:off x="347179" y="1235577"/>
-            <a:ext cx="2132288" cy="605537"/>
+            <a:off x="1264604" y="4500614"/>
+            <a:ext cx="7766902" cy="2205681"/>
           </a:xfrm>
         </p:spPr>
         <p:txBody>
@@ -1377,39 +1377,39 @@
           <a:lstStyle>
             <a:lvl1pPr marL="0" indent="0">
               <a:buNone/>
-              <a:defRPr sz="1323" b="1"/>
+              <a:defRPr sz="4819" b="1"/>
             </a:lvl1pPr>
-            <a:lvl2pPr marL="252009" indent="0">
-              <a:buNone/>
-              <a:defRPr sz="1102" b="1"/>
+            <a:lvl2pPr marL="917966" indent="0">
+              <a:buNone/>
+              <a:defRPr sz="4016" b="1"/>
             </a:lvl2pPr>
-            <a:lvl3pPr marL="504017" indent="0">
-              <a:buNone/>
-              <a:defRPr sz="992" b="1"/>
+            <a:lvl3pPr marL="1835932" indent="0">
+              <a:buNone/>
+              <a:defRPr sz="3614" b="1"/>
             </a:lvl3pPr>
-            <a:lvl4pPr marL="756026" indent="0">
-              <a:buNone/>
-              <a:defRPr sz="882" b="1"/>
+            <a:lvl4pPr marL="2753898" indent="0">
+              <a:buNone/>
+              <a:defRPr sz="3212" b="1"/>
             </a:lvl4pPr>
-            <a:lvl5pPr marL="1008035" indent="0">
-              <a:buNone/>
-              <a:defRPr sz="882" b="1"/>
+            <a:lvl5pPr marL="3671865" indent="0">
+              <a:buNone/>
+              <a:defRPr sz="3212" b="1"/>
             </a:lvl5pPr>
-            <a:lvl6pPr marL="1260043" indent="0">
-              <a:buNone/>
-              <a:defRPr sz="882" b="1"/>
+            <a:lvl6pPr marL="4589831" indent="0">
+              <a:buNone/>
+              <a:defRPr sz="3212" b="1"/>
             </a:lvl6pPr>
-            <a:lvl7pPr marL="1512052" indent="0">
-              <a:buNone/>
-              <a:defRPr sz="882" b="1"/>
+            <a:lvl7pPr marL="5507797" indent="0">
+              <a:buNone/>
+              <a:defRPr sz="3212" b="1"/>
             </a:lvl7pPr>
-            <a:lvl8pPr marL="1764060" indent="0">
-              <a:buNone/>
-              <a:defRPr sz="882" b="1"/>
+            <a:lvl8pPr marL="6425763" indent="0">
+              <a:buNone/>
+              <a:defRPr sz="3212" b="1"/>
             </a:lvl8pPr>
-            <a:lvl9pPr marL="2016069" indent="0">
-              <a:buNone/>
-              <a:defRPr sz="882" b="1"/>
+            <a:lvl9pPr marL="7343729" indent="0">
+              <a:buNone/>
+              <a:defRPr sz="3212" b="1"/>
             </a:lvl9pPr>
           </a:lstStyle>
           <a:p>
@@ -1433,8 +1433,8 @@
         </p:nvSpPr>
         <p:spPr>
           <a:xfrm>
-            <a:off x="347179" y="1841114"/>
-            <a:ext cx="2132288" cy="2708002"/>
+            <a:off x="1264604" y="6706295"/>
+            <a:ext cx="7766902" cy="9863949"/>
           </a:xfrm>
         </p:spPr>
         <p:txBody>
@@ -1490,8 +1490,8 @@
         </p:nvSpPr>
         <p:spPr>
           <a:xfrm>
-            <a:off x="2551658" y="1235577"/>
-            <a:ext cx="2142790" cy="605537"/>
+            <a:off x="9294467" y="4500614"/>
+            <a:ext cx="7805152" cy="2205681"/>
           </a:xfrm>
         </p:spPr>
         <p:txBody>
@@ -1499,39 +1499,39 @@
           <a:lstStyle>
             <a:lvl1pPr marL="0" indent="0">
               <a:buNone/>
-              <a:defRPr sz="1323" b="1"/>
+              <a:defRPr sz="4819" b="1"/>
             </a:lvl1pPr>
-            <a:lvl2pPr marL="252009" indent="0">
-              <a:buNone/>
-              <a:defRPr sz="1102" b="1"/>
+            <a:lvl2pPr marL="917966" indent="0">
+              <a:buNone/>
+              <a:defRPr sz="4016" b="1"/>
             </a:lvl2pPr>
-            <a:lvl3pPr marL="504017" indent="0">
-              <a:buNone/>
-              <a:defRPr sz="992" b="1"/>
+            <a:lvl3pPr marL="1835932" indent="0">
+              <a:buNone/>
+              <a:defRPr sz="3614" b="1"/>
             </a:lvl3pPr>
-            <a:lvl4pPr marL="756026" indent="0">
-              <a:buNone/>
-              <a:defRPr sz="882" b="1"/>
+            <a:lvl4pPr marL="2753898" indent="0">
+              <a:buNone/>
+              <a:defRPr sz="3212" b="1"/>
             </a:lvl4pPr>
-            <a:lvl5pPr marL="1008035" indent="0">
-              <a:buNone/>
-              <a:defRPr sz="882" b="1"/>
+            <a:lvl5pPr marL="3671865" indent="0">
+              <a:buNone/>
+              <a:defRPr sz="3212" b="1"/>
             </a:lvl5pPr>
-            <a:lvl6pPr marL="1260043" indent="0">
-              <a:buNone/>
-              <a:defRPr sz="882" b="1"/>
+            <a:lvl6pPr marL="4589831" indent="0">
+              <a:buNone/>
+              <a:defRPr sz="3212" b="1"/>
             </a:lvl6pPr>
-            <a:lvl7pPr marL="1512052" indent="0">
-              <a:buNone/>
-              <a:defRPr sz="882" b="1"/>
+            <a:lvl7pPr marL="5507797" indent="0">
+              <a:buNone/>
+              <a:defRPr sz="3212" b="1"/>
             </a:lvl7pPr>
-            <a:lvl8pPr marL="1764060" indent="0">
-              <a:buNone/>
-              <a:defRPr sz="882" b="1"/>
+            <a:lvl8pPr marL="6425763" indent="0">
+              <a:buNone/>
+              <a:defRPr sz="3212" b="1"/>
             </a:lvl8pPr>
-            <a:lvl9pPr marL="2016069" indent="0">
-              <a:buNone/>
-              <a:defRPr sz="882" b="1"/>
+            <a:lvl9pPr marL="7343729" indent="0">
+              <a:buNone/>
+              <a:defRPr sz="3212" b="1"/>
             </a:lvl9pPr>
           </a:lstStyle>
           <a:p>
@@ -1555,8 +1555,8 @@
         </p:nvSpPr>
         <p:spPr>
           <a:xfrm>
-            <a:off x="2551658" y="1841114"/>
-            <a:ext cx="2142790" cy="2708002"/>
+            <a:off x="9294467" y="6706295"/>
+            <a:ext cx="7805152" cy="9863949"/>
           </a:xfrm>
         </p:spPr>
         <p:txBody>
@@ -1617,7 +1617,7 @@
           <a:p>
             <a:fld id="{7CC07EAF-3172-4C11-9A07-A2AA65EEF5BE}" type="datetimeFigureOut">
               <a:rPr lang="en-IN" smtClean="0"/>
-              <a:t>27-08-2021</a:t>
+              <a:t>14-09-2021</a:t>
             </a:fld>
             <a:endParaRPr lang="en-IN"/>
           </a:p>
@@ -1668,7 +1668,7 @@
     </p:spTree>
     <p:extLst>
       <p:ext uri="{BB962C8B-B14F-4D97-AF65-F5344CB8AC3E}">
-        <p14:creationId xmlns:p14="http://schemas.microsoft.com/office/powerpoint/2010/main" val="4187233041"/>
+        <p14:creationId xmlns:p14="http://schemas.microsoft.com/office/powerpoint/2010/main" val="1787656483"/>
       </p:ext>
     </p:extLst>
   </p:cSld>
@@ -1735,7 +1735,7 @@
           <a:p>
             <a:fld id="{7CC07EAF-3172-4C11-9A07-A2AA65EEF5BE}" type="datetimeFigureOut">
               <a:rPr lang="en-IN" smtClean="0"/>
-              <a:t>27-08-2021</a:t>
+              <a:t>14-09-2021</a:t>
             </a:fld>
             <a:endParaRPr lang="en-IN"/>
           </a:p>
@@ -1786,7 +1786,7 @@
     </p:spTree>
     <p:extLst>
       <p:ext uri="{BB962C8B-B14F-4D97-AF65-F5344CB8AC3E}">
-        <p14:creationId xmlns:p14="http://schemas.microsoft.com/office/powerpoint/2010/main" val="3355690612"/>
+        <p14:creationId xmlns:p14="http://schemas.microsoft.com/office/powerpoint/2010/main" val="3774202787"/>
       </p:ext>
     </p:extLst>
   </p:cSld>
@@ -1830,7 +1830,7 @@
           <a:p>
             <a:fld id="{7CC07EAF-3172-4C11-9A07-A2AA65EEF5BE}" type="datetimeFigureOut">
               <a:rPr lang="en-IN" smtClean="0"/>
-              <a:t>27-08-2021</a:t>
+              <a:t>14-09-2021</a:t>
             </a:fld>
             <a:endParaRPr lang="en-IN"/>
           </a:p>
@@ -1881,7 +1881,7 @@
     </p:spTree>
     <p:extLst>
       <p:ext uri="{BB962C8B-B14F-4D97-AF65-F5344CB8AC3E}">
-        <p14:creationId xmlns:p14="http://schemas.microsoft.com/office/powerpoint/2010/main" val="331069826"/>
+        <p14:creationId xmlns:p14="http://schemas.microsoft.com/office/powerpoint/2010/main" val="850963515"/>
       </p:ext>
     </p:extLst>
   </p:cSld>
@@ -1920,15 +1920,15 @@
         </p:nvSpPr>
         <p:spPr>
           <a:xfrm>
-            <a:off x="347178" y="336021"/>
-            <a:ext cx="1625632" cy="1176073"/>
+            <a:off x="1264602" y="1223962"/>
+            <a:ext cx="5921397" cy="4283869"/>
           </a:xfrm>
         </p:spPr>
         <p:txBody>
           <a:bodyPr anchor="b"/>
           <a:lstStyle>
             <a:lvl1pPr>
-              <a:defRPr sz="1764"/>
+              <a:defRPr sz="6425"/>
             </a:lvl1pPr>
           </a:lstStyle>
           <a:p>
@@ -1952,39 +1952,39 @@
         </p:nvSpPr>
         <p:spPr>
           <a:xfrm>
-            <a:off x="2142790" y="725713"/>
-            <a:ext cx="2551658" cy="3581889"/>
+            <a:off x="7805153" y="2643423"/>
+            <a:ext cx="9294465" cy="13047101"/>
           </a:xfrm>
         </p:spPr>
         <p:txBody>
           <a:bodyPr/>
           <a:lstStyle>
             <a:lvl1pPr>
-              <a:defRPr sz="1764"/>
+              <a:defRPr sz="6425"/>
             </a:lvl1pPr>
             <a:lvl2pPr>
-              <a:defRPr sz="1543"/>
+              <a:defRPr sz="5622"/>
             </a:lvl2pPr>
             <a:lvl3pPr>
-              <a:defRPr sz="1323"/>
+              <a:defRPr sz="4819"/>
             </a:lvl3pPr>
             <a:lvl4pPr>
-              <a:defRPr sz="1102"/>
+              <a:defRPr sz="4016"/>
             </a:lvl4pPr>
             <a:lvl5pPr>
-              <a:defRPr sz="1102"/>
+              <a:defRPr sz="4016"/>
             </a:lvl5pPr>
             <a:lvl6pPr>
-              <a:defRPr sz="1102"/>
+              <a:defRPr sz="4016"/>
             </a:lvl6pPr>
             <a:lvl7pPr>
-              <a:defRPr sz="1102"/>
+              <a:defRPr sz="4016"/>
             </a:lvl7pPr>
             <a:lvl8pPr>
-              <a:defRPr sz="1102"/>
+              <a:defRPr sz="4016"/>
             </a:lvl8pPr>
             <a:lvl9pPr>
-              <a:defRPr sz="1102"/>
+              <a:defRPr sz="4016"/>
             </a:lvl9pPr>
           </a:lstStyle>
           <a:p>
@@ -2037,8 +2037,8 @@
         </p:nvSpPr>
         <p:spPr>
           <a:xfrm>
-            <a:off x="347178" y="1512094"/>
-            <a:ext cx="1625632" cy="2801341"/>
+            <a:off x="1264602" y="5507831"/>
+            <a:ext cx="5921397" cy="10203939"/>
           </a:xfrm>
         </p:spPr>
         <p:txBody>
@@ -2046,39 +2046,39 @@
           <a:lstStyle>
             <a:lvl1pPr marL="0" indent="0">
               <a:buNone/>
-              <a:defRPr sz="882"/>
+              <a:defRPr sz="3212"/>
             </a:lvl1pPr>
-            <a:lvl2pPr marL="252009" indent="0">
-              <a:buNone/>
-              <a:defRPr sz="772"/>
+            <a:lvl2pPr marL="917966" indent="0">
+              <a:buNone/>
+              <a:defRPr sz="2811"/>
             </a:lvl2pPr>
-            <a:lvl3pPr marL="504017" indent="0">
-              <a:buNone/>
-              <a:defRPr sz="661"/>
+            <a:lvl3pPr marL="1835932" indent="0">
+              <a:buNone/>
+              <a:defRPr sz="2409"/>
             </a:lvl3pPr>
-            <a:lvl4pPr marL="756026" indent="0">
-              <a:buNone/>
-              <a:defRPr sz="551"/>
+            <a:lvl4pPr marL="2753898" indent="0">
+              <a:buNone/>
+              <a:defRPr sz="2008"/>
             </a:lvl4pPr>
-            <a:lvl5pPr marL="1008035" indent="0">
-              <a:buNone/>
-              <a:defRPr sz="551"/>
+            <a:lvl5pPr marL="3671865" indent="0">
+              <a:buNone/>
+              <a:defRPr sz="2008"/>
             </a:lvl5pPr>
-            <a:lvl6pPr marL="1260043" indent="0">
-              <a:buNone/>
-              <a:defRPr sz="551"/>
+            <a:lvl6pPr marL="4589831" indent="0">
+              <a:buNone/>
+              <a:defRPr sz="2008"/>
             </a:lvl6pPr>
-            <a:lvl7pPr marL="1512052" indent="0">
-              <a:buNone/>
-              <a:defRPr sz="551"/>
+            <a:lvl7pPr marL="5507797" indent="0">
+              <a:buNone/>
+              <a:defRPr sz="2008"/>
             </a:lvl7pPr>
-            <a:lvl8pPr marL="1764060" indent="0">
-              <a:buNone/>
-              <a:defRPr sz="551"/>
+            <a:lvl8pPr marL="6425763" indent="0">
+              <a:buNone/>
+              <a:defRPr sz="2008"/>
             </a:lvl8pPr>
-            <a:lvl9pPr marL="2016069" indent="0">
-              <a:buNone/>
-              <a:defRPr sz="551"/>
+            <a:lvl9pPr marL="7343729" indent="0">
+              <a:buNone/>
+              <a:defRPr sz="2008"/>
             </a:lvl9pPr>
           </a:lstStyle>
           <a:p>
@@ -2107,7 +2107,7 @@
           <a:p>
             <a:fld id="{7CC07EAF-3172-4C11-9A07-A2AA65EEF5BE}" type="datetimeFigureOut">
               <a:rPr lang="en-IN" smtClean="0"/>
-              <a:t>27-08-2021</a:t>
+              <a:t>14-09-2021</a:t>
             </a:fld>
             <a:endParaRPr lang="en-IN"/>
           </a:p>
@@ -2158,7 +2158,7 @@
     </p:spTree>
     <p:extLst>
       <p:ext uri="{BB962C8B-B14F-4D97-AF65-F5344CB8AC3E}">
-        <p14:creationId xmlns:p14="http://schemas.microsoft.com/office/powerpoint/2010/main" val="2840526235"/>
+        <p14:creationId xmlns:p14="http://schemas.microsoft.com/office/powerpoint/2010/main" val="888337102"/>
       </p:ext>
     </p:extLst>
   </p:cSld>
@@ -2197,15 +2197,15 @@
         </p:nvSpPr>
         <p:spPr>
           <a:xfrm>
-            <a:off x="347178" y="336021"/>
-            <a:ext cx="1625632" cy="1176073"/>
+            <a:off x="1264602" y="1223962"/>
+            <a:ext cx="5921397" cy="4283869"/>
           </a:xfrm>
         </p:spPr>
         <p:txBody>
           <a:bodyPr anchor="b"/>
           <a:lstStyle>
             <a:lvl1pPr>
-              <a:defRPr sz="1764"/>
+              <a:defRPr sz="6425"/>
             </a:lvl1pPr>
           </a:lstStyle>
           <a:p>
@@ -2229,8 +2229,8 @@
         </p:nvSpPr>
         <p:spPr>
           <a:xfrm>
-            <a:off x="2142790" y="725713"/>
-            <a:ext cx="2551658" cy="3581889"/>
+            <a:off x="7805153" y="2643423"/>
+            <a:ext cx="9294465" cy="13047101"/>
           </a:xfrm>
         </p:spPr>
         <p:txBody>
@@ -2238,39 +2238,39 @@
           <a:lstStyle>
             <a:lvl1pPr marL="0" indent="0">
               <a:buNone/>
-              <a:defRPr sz="1764"/>
+              <a:defRPr sz="6425"/>
             </a:lvl1pPr>
-            <a:lvl2pPr marL="252009" indent="0">
-              <a:buNone/>
-              <a:defRPr sz="1543"/>
+            <a:lvl2pPr marL="917966" indent="0">
+              <a:buNone/>
+              <a:defRPr sz="5622"/>
             </a:lvl2pPr>
-            <a:lvl3pPr marL="504017" indent="0">
-              <a:buNone/>
-              <a:defRPr sz="1323"/>
+            <a:lvl3pPr marL="1835932" indent="0">
+              <a:buNone/>
+              <a:defRPr sz="4819"/>
             </a:lvl3pPr>
-            <a:lvl4pPr marL="756026" indent="0">
-              <a:buNone/>
-              <a:defRPr sz="1102"/>
+            <a:lvl4pPr marL="2753898" indent="0">
+              <a:buNone/>
+              <a:defRPr sz="4016"/>
             </a:lvl4pPr>
-            <a:lvl5pPr marL="1008035" indent="0">
-              <a:buNone/>
-              <a:defRPr sz="1102"/>
+            <a:lvl5pPr marL="3671865" indent="0">
+              <a:buNone/>
+              <a:defRPr sz="4016"/>
             </a:lvl5pPr>
-            <a:lvl6pPr marL="1260043" indent="0">
-              <a:buNone/>
-              <a:defRPr sz="1102"/>
+            <a:lvl6pPr marL="4589831" indent="0">
+              <a:buNone/>
+              <a:defRPr sz="4016"/>
             </a:lvl6pPr>
-            <a:lvl7pPr marL="1512052" indent="0">
-              <a:buNone/>
-              <a:defRPr sz="1102"/>
+            <a:lvl7pPr marL="5507797" indent="0">
+              <a:buNone/>
+              <a:defRPr sz="4016"/>
             </a:lvl7pPr>
-            <a:lvl8pPr marL="1764060" indent="0">
-              <a:buNone/>
-              <a:defRPr sz="1102"/>
+            <a:lvl8pPr marL="6425763" indent="0">
+              <a:buNone/>
+              <a:defRPr sz="4016"/>
             </a:lvl8pPr>
-            <a:lvl9pPr marL="2016069" indent="0">
-              <a:buNone/>
-              <a:defRPr sz="1102"/>
+            <a:lvl9pPr marL="7343729" indent="0">
+              <a:buNone/>
+              <a:defRPr sz="4016"/>
             </a:lvl9pPr>
           </a:lstStyle>
           <a:p>
@@ -2294,8 +2294,8 @@
         </p:nvSpPr>
         <p:spPr>
           <a:xfrm>
-            <a:off x="347178" y="1512094"/>
-            <a:ext cx="1625632" cy="2801341"/>
+            <a:off x="1264602" y="5507831"/>
+            <a:ext cx="5921397" cy="10203939"/>
           </a:xfrm>
         </p:spPr>
         <p:txBody>
@@ -2303,39 +2303,39 @@
           <a:lstStyle>
             <a:lvl1pPr marL="0" indent="0">
               <a:buNone/>
-              <a:defRPr sz="882"/>
+              <a:defRPr sz="3212"/>
             </a:lvl1pPr>
-            <a:lvl2pPr marL="252009" indent="0">
-              <a:buNone/>
-              <a:defRPr sz="772"/>
+            <a:lvl2pPr marL="917966" indent="0">
+              <a:buNone/>
+              <a:defRPr sz="2811"/>
             </a:lvl2pPr>
-            <a:lvl3pPr marL="504017" indent="0">
-              <a:buNone/>
-              <a:defRPr sz="661"/>
+            <a:lvl3pPr marL="1835932" indent="0">
+              <a:buNone/>
+              <a:defRPr sz="2409"/>
             </a:lvl3pPr>
-            <a:lvl4pPr marL="756026" indent="0">
-              <a:buNone/>
-              <a:defRPr sz="551"/>
+            <a:lvl4pPr marL="2753898" indent="0">
+              <a:buNone/>
+              <a:defRPr sz="2008"/>
             </a:lvl4pPr>
-            <a:lvl5pPr marL="1008035" indent="0">
-              <a:buNone/>
-              <a:defRPr sz="551"/>
+            <a:lvl5pPr marL="3671865" indent="0">
+              <a:buNone/>
+              <a:defRPr sz="2008"/>
             </a:lvl5pPr>
-            <a:lvl6pPr marL="1260043" indent="0">
-              <a:buNone/>
-              <a:defRPr sz="551"/>
+            <a:lvl6pPr marL="4589831" indent="0">
+              <a:buNone/>
+              <a:defRPr sz="2008"/>
             </a:lvl6pPr>
-            <a:lvl7pPr marL="1512052" indent="0">
-              <a:buNone/>
-              <a:defRPr sz="551"/>
+            <a:lvl7pPr marL="5507797" indent="0">
+              <a:buNone/>
+              <a:defRPr sz="2008"/>
             </a:lvl7pPr>
-            <a:lvl8pPr marL="1764060" indent="0">
-              <a:buNone/>
-              <a:defRPr sz="551"/>
+            <a:lvl8pPr marL="6425763" indent="0">
+              <a:buNone/>
+              <a:defRPr sz="2008"/>
             </a:lvl8pPr>
-            <a:lvl9pPr marL="2016069" indent="0">
-              <a:buNone/>
-              <a:defRPr sz="551"/>
+            <a:lvl9pPr marL="7343729" indent="0">
+              <a:buNone/>
+              <a:defRPr sz="2008"/>
             </a:lvl9pPr>
           </a:lstStyle>
           <a:p>
@@ -2364,7 +2364,7 @@
           <a:p>
             <a:fld id="{7CC07EAF-3172-4C11-9A07-A2AA65EEF5BE}" type="datetimeFigureOut">
               <a:rPr lang="en-IN" smtClean="0"/>
-              <a:t>27-08-2021</a:t>
+              <a:t>14-09-2021</a:t>
             </a:fld>
             <a:endParaRPr lang="en-IN"/>
           </a:p>
@@ -2415,7 +2415,7 @@
     </p:spTree>
     <p:extLst>
       <p:ext uri="{BB962C8B-B14F-4D97-AF65-F5344CB8AC3E}">
-        <p14:creationId xmlns:p14="http://schemas.microsoft.com/office/powerpoint/2010/main" val="3433528851"/>
+        <p14:creationId xmlns:p14="http://schemas.microsoft.com/office/powerpoint/2010/main" val="2914127051"/>
       </p:ext>
     </p:extLst>
   </p:cSld>
@@ -2459,8 +2459,8 @@
         </p:nvSpPr>
         <p:spPr>
           <a:xfrm>
-            <a:off x="346522" y="268351"/>
-            <a:ext cx="4347270" cy="974228"/>
+            <a:off x="1262212" y="977474"/>
+            <a:ext cx="15835015" cy="3548643"/>
           </a:xfrm>
           <a:prstGeom prst="rect">
             <a:avLst/>
@@ -2492,8 +2492,8 @@
         </p:nvSpPr>
         <p:spPr>
           <a:xfrm>
-            <a:off x="346522" y="1341750"/>
-            <a:ext cx="4347270" cy="3198032"/>
+            <a:off x="1262212" y="4887350"/>
+            <a:ext cx="15835015" cy="11648895"/>
           </a:xfrm>
           <a:prstGeom prst="rect">
             <a:avLst/>
@@ -2554,8 +2554,8 @@
         </p:nvSpPr>
         <p:spPr>
           <a:xfrm>
-            <a:off x="346522" y="4671625"/>
-            <a:ext cx="1134070" cy="268350"/>
+            <a:off x="1262211" y="17016483"/>
+            <a:ext cx="4130874" cy="977470"/>
           </a:xfrm>
           <a:prstGeom prst="rect">
             <a:avLst/>
@@ -2565,7 +2565,7 @@
           <a:bodyPr vert="horz" lIns="91440" tIns="45720" rIns="91440" bIns="45720" rtlCol="0" anchor="ctr"/>
           <a:lstStyle>
             <a:lvl1pPr algn="l">
-              <a:defRPr sz="661">
+              <a:defRPr sz="2409">
                 <a:solidFill>
                   <a:schemeClr val="tx1">
                     <a:tint val="75000"/>
@@ -2577,7 +2577,7 @@
           <a:p>
             <a:fld id="{7CC07EAF-3172-4C11-9A07-A2AA65EEF5BE}" type="datetimeFigureOut">
               <a:rPr lang="en-IN" smtClean="0"/>
-              <a:t>27-08-2021</a:t>
+              <a:t>14-09-2021</a:t>
             </a:fld>
             <a:endParaRPr lang="en-IN"/>
           </a:p>
@@ -2595,8 +2595,8 @@
         </p:nvSpPr>
         <p:spPr>
           <a:xfrm>
-            <a:off x="1669604" y="4671625"/>
-            <a:ext cx="1701106" cy="268350"/>
+            <a:off x="6081564" y="17016483"/>
+            <a:ext cx="6196310" cy="977470"/>
           </a:xfrm>
           <a:prstGeom prst="rect">
             <a:avLst/>
@@ -2606,7 +2606,7 @@
           <a:bodyPr vert="horz" lIns="91440" tIns="45720" rIns="91440" bIns="45720" rtlCol="0" anchor="ctr"/>
           <a:lstStyle>
             <a:lvl1pPr algn="ctr">
-              <a:defRPr sz="661">
+              <a:defRPr sz="2409">
                 <a:solidFill>
                   <a:schemeClr val="tx1">
                     <a:tint val="75000"/>
@@ -2632,8 +2632,8 @@
         </p:nvSpPr>
         <p:spPr>
           <a:xfrm>
-            <a:off x="3559721" y="4671625"/>
-            <a:ext cx="1134070" cy="268350"/>
+            <a:off x="12966353" y="17016483"/>
+            <a:ext cx="4130874" cy="977470"/>
           </a:xfrm>
           <a:prstGeom prst="rect">
             <a:avLst/>
@@ -2643,7 +2643,7 @@
           <a:bodyPr vert="horz" lIns="91440" tIns="45720" rIns="91440" bIns="45720" rtlCol="0" anchor="ctr"/>
           <a:lstStyle>
             <a:lvl1pPr algn="r">
-              <a:defRPr sz="661">
+              <a:defRPr sz="2409">
                 <a:solidFill>
                   <a:schemeClr val="tx1">
                     <a:tint val="75000"/>
@@ -2664,27 +2664,27 @@
     </p:spTree>
     <p:extLst>
       <p:ext uri="{BB962C8B-B14F-4D97-AF65-F5344CB8AC3E}">
-        <p14:creationId xmlns:p14="http://schemas.microsoft.com/office/powerpoint/2010/main" val="887740030"/>
+        <p14:creationId xmlns:p14="http://schemas.microsoft.com/office/powerpoint/2010/main" val="1182053932"/>
       </p:ext>
     </p:extLst>
   </p:cSld>
   <p:clrMap bg1="lt1" tx1="dk1" bg2="lt2" tx2="dk2" accent1="accent1" accent2="accent2" accent3="accent3" accent4="accent4" accent5="accent5" accent6="accent6" hlink="hlink" folHlink="folHlink"/>
   <p:sldLayoutIdLst>
-    <p:sldLayoutId id="2147483661" r:id="rId1"/>
-    <p:sldLayoutId id="2147483662" r:id="rId2"/>
-    <p:sldLayoutId id="2147483663" r:id="rId3"/>
-    <p:sldLayoutId id="2147483664" r:id="rId4"/>
-    <p:sldLayoutId id="2147483665" r:id="rId5"/>
-    <p:sldLayoutId id="2147483666" r:id="rId6"/>
-    <p:sldLayoutId id="2147483667" r:id="rId7"/>
-    <p:sldLayoutId id="2147483668" r:id="rId8"/>
-    <p:sldLayoutId id="2147483669" r:id="rId9"/>
-    <p:sldLayoutId id="2147483670" r:id="rId10"/>
-    <p:sldLayoutId id="2147483671" r:id="rId11"/>
+    <p:sldLayoutId id="2147483673" r:id="rId1"/>
+    <p:sldLayoutId id="2147483674" r:id="rId2"/>
+    <p:sldLayoutId id="2147483675" r:id="rId3"/>
+    <p:sldLayoutId id="2147483676" r:id="rId4"/>
+    <p:sldLayoutId id="2147483677" r:id="rId5"/>
+    <p:sldLayoutId id="2147483678" r:id="rId6"/>
+    <p:sldLayoutId id="2147483679" r:id="rId7"/>
+    <p:sldLayoutId id="2147483680" r:id="rId8"/>
+    <p:sldLayoutId id="2147483681" r:id="rId9"/>
+    <p:sldLayoutId id="2147483682" r:id="rId10"/>
+    <p:sldLayoutId id="2147483683" r:id="rId11"/>
   </p:sldLayoutIdLst>
   <p:txStyles>
     <p:titleStyle>
-      <a:lvl1pPr algn="l" defTabSz="504017" rtl="0" eaLnBrk="1" latinLnBrk="0" hangingPunct="1">
+      <a:lvl1pPr algn="l" defTabSz="1835932" rtl="0" eaLnBrk="1" latinLnBrk="0" hangingPunct="1">
         <a:lnSpc>
           <a:spcPct val="90000"/>
         </a:lnSpc>
@@ -2692,7 +2692,7 @@
           <a:spcPct val="0"/>
         </a:spcBef>
         <a:buNone/>
-        <a:defRPr sz="2425" kern="1200">
+        <a:defRPr sz="8834" kern="1200">
           <a:solidFill>
             <a:schemeClr val="tx1"/>
           </a:solidFill>
@@ -2703,16 +2703,16 @@
       </a:lvl1pPr>
     </p:titleStyle>
     <p:bodyStyle>
-      <a:lvl1pPr marL="126004" indent="-126004" algn="l" defTabSz="504017" rtl="0" eaLnBrk="1" latinLnBrk="0" hangingPunct="1">
+      <a:lvl1pPr marL="458983" indent="-458983" algn="l" defTabSz="1835932" rtl="0" eaLnBrk="1" latinLnBrk="0" hangingPunct="1">
         <a:lnSpc>
           <a:spcPct val="90000"/>
         </a:lnSpc>
         <a:spcBef>
-          <a:spcPts val="551"/>
+          <a:spcPts val="2008"/>
         </a:spcBef>
         <a:buFont typeface="Arial" panose="020B0604020202020204" pitchFamily="34" charset="0"/>
         <a:buChar char="•"/>
-        <a:defRPr sz="1543" kern="1200">
+        <a:defRPr sz="5622" kern="1200">
           <a:solidFill>
             <a:schemeClr val="tx1"/>
           </a:solidFill>
@@ -2721,16 +2721,16 @@
           <a:cs typeface="+mn-cs"/>
         </a:defRPr>
       </a:lvl1pPr>
-      <a:lvl2pPr marL="378013" indent="-126004" algn="l" defTabSz="504017" rtl="0" eaLnBrk="1" latinLnBrk="0" hangingPunct="1">
+      <a:lvl2pPr marL="1376949" indent="-458983" algn="l" defTabSz="1835932" rtl="0" eaLnBrk="1" latinLnBrk="0" hangingPunct="1">
         <a:lnSpc>
           <a:spcPct val="90000"/>
         </a:lnSpc>
         <a:spcBef>
-          <a:spcPts val="276"/>
+          <a:spcPts val="1004"/>
         </a:spcBef>
         <a:buFont typeface="Arial" panose="020B0604020202020204" pitchFamily="34" charset="0"/>
         <a:buChar char="•"/>
-        <a:defRPr sz="1323" kern="1200">
+        <a:defRPr sz="4819" kern="1200">
           <a:solidFill>
             <a:schemeClr val="tx1"/>
           </a:solidFill>
@@ -2739,16 +2739,16 @@
           <a:cs typeface="+mn-cs"/>
         </a:defRPr>
       </a:lvl2pPr>
-      <a:lvl3pPr marL="630022" indent="-126004" algn="l" defTabSz="504017" rtl="0" eaLnBrk="1" latinLnBrk="0" hangingPunct="1">
+      <a:lvl3pPr marL="2294915" indent="-458983" algn="l" defTabSz="1835932" rtl="0" eaLnBrk="1" latinLnBrk="0" hangingPunct="1">
         <a:lnSpc>
           <a:spcPct val="90000"/>
         </a:lnSpc>
         <a:spcBef>
-          <a:spcPts val="276"/>
+          <a:spcPts val="1004"/>
         </a:spcBef>
         <a:buFont typeface="Arial" panose="020B0604020202020204" pitchFamily="34" charset="0"/>
         <a:buChar char="•"/>
-        <a:defRPr sz="1102" kern="1200">
+        <a:defRPr sz="4016" kern="1200">
           <a:solidFill>
             <a:schemeClr val="tx1"/>
           </a:solidFill>
@@ -2757,16 +2757,16 @@
           <a:cs typeface="+mn-cs"/>
         </a:defRPr>
       </a:lvl3pPr>
-      <a:lvl4pPr marL="882030" indent="-126004" algn="l" defTabSz="504017" rtl="0" eaLnBrk="1" latinLnBrk="0" hangingPunct="1">
+      <a:lvl4pPr marL="3212882" indent="-458983" algn="l" defTabSz="1835932" rtl="0" eaLnBrk="1" latinLnBrk="0" hangingPunct="1">
         <a:lnSpc>
           <a:spcPct val="90000"/>
         </a:lnSpc>
         <a:spcBef>
-          <a:spcPts val="276"/>
+          <a:spcPts val="1004"/>
         </a:spcBef>
         <a:buFont typeface="Arial" panose="020B0604020202020204" pitchFamily="34" charset="0"/>
         <a:buChar char="•"/>
-        <a:defRPr sz="992" kern="1200">
+        <a:defRPr sz="3614" kern="1200">
           <a:solidFill>
             <a:schemeClr val="tx1"/>
           </a:solidFill>
@@ -2775,16 +2775,16 @@
           <a:cs typeface="+mn-cs"/>
         </a:defRPr>
       </a:lvl4pPr>
-      <a:lvl5pPr marL="1134039" indent="-126004" algn="l" defTabSz="504017" rtl="0" eaLnBrk="1" latinLnBrk="0" hangingPunct="1">
+      <a:lvl5pPr marL="4130848" indent="-458983" algn="l" defTabSz="1835932" rtl="0" eaLnBrk="1" latinLnBrk="0" hangingPunct="1">
         <a:lnSpc>
           <a:spcPct val="90000"/>
         </a:lnSpc>
         <a:spcBef>
-          <a:spcPts val="276"/>
+          <a:spcPts val="1004"/>
         </a:spcBef>
         <a:buFont typeface="Arial" panose="020B0604020202020204" pitchFamily="34" charset="0"/>
         <a:buChar char="•"/>
-        <a:defRPr sz="992" kern="1200">
+        <a:defRPr sz="3614" kern="1200">
           <a:solidFill>
             <a:schemeClr val="tx1"/>
           </a:solidFill>
@@ -2793,16 +2793,16 @@
           <a:cs typeface="+mn-cs"/>
         </a:defRPr>
       </a:lvl5pPr>
-      <a:lvl6pPr marL="1386048" indent="-126004" algn="l" defTabSz="504017" rtl="0" eaLnBrk="1" latinLnBrk="0" hangingPunct="1">
+      <a:lvl6pPr marL="5048814" indent="-458983" algn="l" defTabSz="1835932" rtl="0" eaLnBrk="1" latinLnBrk="0" hangingPunct="1">
         <a:lnSpc>
           <a:spcPct val="90000"/>
         </a:lnSpc>
         <a:spcBef>
-          <a:spcPts val="276"/>
+          <a:spcPts val="1004"/>
         </a:spcBef>
         <a:buFont typeface="Arial" panose="020B0604020202020204" pitchFamily="34" charset="0"/>
         <a:buChar char="•"/>
-        <a:defRPr sz="992" kern="1200">
+        <a:defRPr sz="3614" kern="1200">
           <a:solidFill>
             <a:schemeClr val="tx1"/>
           </a:solidFill>
@@ -2811,16 +2811,16 @@
           <a:cs typeface="+mn-cs"/>
         </a:defRPr>
       </a:lvl6pPr>
-      <a:lvl7pPr marL="1638056" indent="-126004" algn="l" defTabSz="504017" rtl="0" eaLnBrk="1" latinLnBrk="0" hangingPunct="1">
+      <a:lvl7pPr marL="5966780" indent="-458983" algn="l" defTabSz="1835932" rtl="0" eaLnBrk="1" latinLnBrk="0" hangingPunct="1">
         <a:lnSpc>
           <a:spcPct val="90000"/>
         </a:lnSpc>
         <a:spcBef>
-          <a:spcPts val="276"/>
+          <a:spcPts val="1004"/>
         </a:spcBef>
         <a:buFont typeface="Arial" panose="020B0604020202020204" pitchFamily="34" charset="0"/>
         <a:buChar char="•"/>
-        <a:defRPr sz="992" kern="1200">
+        <a:defRPr sz="3614" kern="1200">
           <a:solidFill>
             <a:schemeClr val="tx1"/>
           </a:solidFill>
@@ -2829,16 +2829,16 @@
           <a:cs typeface="+mn-cs"/>
         </a:defRPr>
       </a:lvl7pPr>
-      <a:lvl8pPr marL="1890065" indent="-126004" algn="l" defTabSz="504017" rtl="0" eaLnBrk="1" latinLnBrk="0" hangingPunct="1">
+      <a:lvl8pPr marL="6884746" indent="-458983" algn="l" defTabSz="1835932" rtl="0" eaLnBrk="1" latinLnBrk="0" hangingPunct="1">
         <a:lnSpc>
           <a:spcPct val="90000"/>
         </a:lnSpc>
         <a:spcBef>
-          <a:spcPts val="276"/>
+          <a:spcPts val="1004"/>
         </a:spcBef>
         <a:buFont typeface="Arial" panose="020B0604020202020204" pitchFamily="34" charset="0"/>
         <a:buChar char="•"/>
-        <a:defRPr sz="992" kern="1200">
+        <a:defRPr sz="3614" kern="1200">
           <a:solidFill>
             <a:schemeClr val="tx1"/>
           </a:solidFill>
@@ -2847,16 +2847,16 @@
           <a:cs typeface="+mn-cs"/>
         </a:defRPr>
       </a:lvl8pPr>
-      <a:lvl9pPr marL="2142073" indent="-126004" algn="l" defTabSz="504017" rtl="0" eaLnBrk="1" latinLnBrk="0" hangingPunct="1">
+      <a:lvl9pPr marL="7802712" indent="-458983" algn="l" defTabSz="1835932" rtl="0" eaLnBrk="1" latinLnBrk="0" hangingPunct="1">
         <a:lnSpc>
           <a:spcPct val="90000"/>
         </a:lnSpc>
         <a:spcBef>
-          <a:spcPts val="276"/>
+          <a:spcPts val="1004"/>
         </a:spcBef>
         <a:buFont typeface="Arial" panose="020B0604020202020204" pitchFamily="34" charset="0"/>
         <a:buChar char="•"/>
-        <a:defRPr sz="992" kern="1200">
+        <a:defRPr sz="3614" kern="1200">
           <a:solidFill>
             <a:schemeClr val="tx1"/>
           </a:solidFill>
@@ -2870,8 +2870,8 @@
       <a:defPPr>
         <a:defRPr lang="en-US"/>
       </a:defPPr>
-      <a:lvl1pPr marL="0" algn="l" defTabSz="504017" rtl="0" eaLnBrk="1" latinLnBrk="0" hangingPunct="1">
-        <a:defRPr sz="992" kern="1200">
+      <a:lvl1pPr marL="0" algn="l" defTabSz="1835932" rtl="0" eaLnBrk="1" latinLnBrk="0" hangingPunct="1">
+        <a:defRPr sz="3614" kern="1200">
           <a:solidFill>
             <a:schemeClr val="tx1"/>
           </a:solidFill>
@@ -2880,8 +2880,8 @@
           <a:cs typeface="+mn-cs"/>
         </a:defRPr>
       </a:lvl1pPr>
-      <a:lvl2pPr marL="252009" algn="l" defTabSz="504017" rtl="0" eaLnBrk="1" latinLnBrk="0" hangingPunct="1">
-        <a:defRPr sz="992" kern="1200">
+      <a:lvl2pPr marL="917966" algn="l" defTabSz="1835932" rtl="0" eaLnBrk="1" latinLnBrk="0" hangingPunct="1">
+        <a:defRPr sz="3614" kern="1200">
           <a:solidFill>
             <a:schemeClr val="tx1"/>
           </a:solidFill>
@@ -2890,8 +2890,8 @@
           <a:cs typeface="+mn-cs"/>
         </a:defRPr>
       </a:lvl2pPr>
-      <a:lvl3pPr marL="504017" algn="l" defTabSz="504017" rtl="0" eaLnBrk="1" latinLnBrk="0" hangingPunct="1">
-        <a:defRPr sz="992" kern="1200">
+      <a:lvl3pPr marL="1835932" algn="l" defTabSz="1835932" rtl="0" eaLnBrk="1" latinLnBrk="0" hangingPunct="1">
+        <a:defRPr sz="3614" kern="1200">
           <a:solidFill>
             <a:schemeClr val="tx1"/>
           </a:solidFill>
@@ -2900,8 +2900,8 @@
           <a:cs typeface="+mn-cs"/>
         </a:defRPr>
       </a:lvl3pPr>
-      <a:lvl4pPr marL="756026" algn="l" defTabSz="504017" rtl="0" eaLnBrk="1" latinLnBrk="0" hangingPunct="1">
-        <a:defRPr sz="992" kern="1200">
+      <a:lvl4pPr marL="2753898" algn="l" defTabSz="1835932" rtl="0" eaLnBrk="1" latinLnBrk="0" hangingPunct="1">
+        <a:defRPr sz="3614" kern="1200">
           <a:solidFill>
             <a:schemeClr val="tx1"/>
           </a:solidFill>
@@ -2910,8 +2910,8 @@
           <a:cs typeface="+mn-cs"/>
         </a:defRPr>
       </a:lvl4pPr>
-      <a:lvl5pPr marL="1008035" algn="l" defTabSz="504017" rtl="0" eaLnBrk="1" latinLnBrk="0" hangingPunct="1">
-        <a:defRPr sz="992" kern="1200">
+      <a:lvl5pPr marL="3671865" algn="l" defTabSz="1835932" rtl="0" eaLnBrk="1" latinLnBrk="0" hangingPunct="1">
+        <a:defRPr sz="3614" kern="1200">
           <a:solidFill>
             <a:schemeClr val="tx1"/>
           </a:solidFill>
@@ -2920,8 +2920,8 @@
           <a:cs typeface="+mn-cs"/>
         </a:defRPr>
       </a:lvl5pPr>
-      <a:lvl6pPr marL="1260043" algn="l" defTabSz="504017" rtl="0" eaLnBrk="1" latinLnBrk="0" hangingPunct="1">
-        <a:defRPr sz="992" kern="1200">
+      <a:lvl6pPr marL="4589831" algn="l" defTabSz="1835932" rtl="0" eaLnBrk="1" latinLnBrk="0" hangingPunct="1">
+        <a:defRPr sz="3614" kern="1200">
           <a:solidFill>
             <a:schemeClr val="tx1"/>
           </a:solidFill>
@@ -2930,8 +2930,8 @@
           <a:cs typeface="+mn-cs"/>
         </a:defRPr>
       </a:lvl6pPr>
-      <a:lvl7pPr marL="1512052" algn="l" defTabSz="504017" rtl="0" eaLnBrk="1" latinLnBrk="0" hangingPunct="1">
-        <a:defRPr sz="992" kern="1200">
+      <a:lvl7pPr marL="5507797" algn="l" defTabSz="1835932" rtl="0" eaLnBrk="1" latinLnBrk="0" hangingPunct="1">
+        <a:defRPr sz="3614" kern="1200">
           <a:solidFill>
             <a:schemeClr val="tx1"/>
           </a:solidFill>
@@ -2940,8 +2940,8 @@
           <a:cs typeface="+mn-cs"/>
         </a:defRPr>
       </a:lvl7pPr>
-      <a:lvl8pPr marL="1764060" algn="l" defTabSz="504017" rtl="0" eaLnBrk="1" latinLnBrk="0" hangingPunct="1">
-        <a:defRPr sz="992" kern="1200">
+      <a:lvl8pPr marL="6425763" algn="l" defTabSz="1835932" rtl="0" eaLnBrk="1" latinLnBrk="0" hangingPunct="1">
+        <a:defRPr sz="3614" kern="1200">
           <a:solidFill>
             <a:schemeClr val="tx1"/>
           </a:solidFill>
@@ -2950,8 +2950,8 @@
           <a:cs typeface="+mn-cs"/>
         </a:defRPr>
       </a:lvl8pPr>
-      <a:lvl9pPr marL="2016069" algn="l" defTabSz="504017" rtl="0" eaLnBrk="1" latinLnBrk="0" hangingPunct="1">
-        <a:defRPr sz="992" kern="1200">
+      <a:lvl9pPr marL="7343729" algn="l" defTabSz="1835932" rtl="0" eaLnBrk="1" latinLnBrk="0" hangingPunct="1">
+        <a:defRPr sz="3614" kern="1200">
           <a:solidFill>
             <a:schemeClr val="tx1"/>
           </a:solidFill>
@@ -2996,8 +2996,8 @@
         </p:nvSpPr>
         <p:spPr>
           <a:xfrm>
-            <a:off x="-2289438" y="-921275"/>
-            <a:ext cx="9405258" cy="6820186"/>
+            <a:off x="3" y="1"/>
+            <a:ext cx="18359439" cy="18359443"/>
           </a:xfrm>
           <a:prstGeom prst="ellipse">
             <a:avLst/>
@@ -3048,7 +3048,7 @@
           <a:lstStyle/>
           <a:p>
             <a:pPr algn="ctr"/>
-            <a:endParaRPr lang="en-IN"/>
+            <a:endParaRPr lang="en-IN" sz="23884"/>
           </a:p>
         </p:txBody>
       </p:sp>
@@ -3066,8 +3066,8 @@
         </p:nvSpPr>
         <p:spPr>
           <a:xfrm>
-            <a:off x="890538" y="1310123"/>
-            <a:ext cx="3259236" cy="2420065"/>
+            <a:off x="3243804" y="4772152"/>
+            <a:ext cx="11871831" cy="8815134"/>
           </a:xfrm>
           <a:prstGeom prst="rect">
             <a:avLst/>
@@ -3099,7 +3099,7 @@
           <a:lstStyle/>
           <a:p>
             <a:pPr algn="ctr"/>
-            <a:endParaRPr lang="en-IN"/>
+            <a:endParaRPr lang="en-IN" sz="23884"/>
           </a:p>
         </p:txBody>
       </p:sp>
@@ -3134,8 +3134,8 @@
         </p:blipFill>
         <p:spPr>
           <a:xfrm>
-            <a:off x="1498991" y="1542360"/>
-            <a:ext cx="2042330" cy="1955592"/>
+            <a:off x="5460106" y="5618078"/>
+            <a:ext cx="7439227" cy="7123282"/>
           </a:xfrm>
           <a:prstGeom prst="rect">
             <a:avLst/>
